--- a/clase3/teoria/clase3.pptx
+++ b/clase3/teoria/clase3.pptx
@@ -253,7 +253,7 @@
           <a:p>
             <a:fld id="{A166A2AB-E11F-CF45-8817-57EE1ECD187F}" type="datetimeFigureOut">
               <a:rPr lang="es-ES_tradnl" smtClean="0"/>
-              <a:t>15/3/24</a:t>
+              <a:t>5/4/24</a:t>
             </a:fld>
             <a:endParaRPr lang="es-ES_tradnl"/>
           </a:p>
@@ -7888,7 +7888,7 @@
           <a:p>
             <a:fld id="{BD016BBE-372F-8747-90B7-0D97B79DB70D}" type="datetime1">
               <a:rPr lang="en-US" smtClean="0"/>
-              <a:t>3/15/24</a:t>
+              <a:t>4/5/24</a:t>
             </a:fld>
             <a:endParaRPr lang="en-US" dirty="0"/>
           </a:p>
@@ -8118,7 +8118,7 @@
           <a:p>
             <a:fld id="{52088FDC-78CF-244E-B28C-A3D8E0C14A7A}" type="datetime1">
               <a:rPr lang="en-US" smtClean="0"/>
-              <a:t>3/15/24</a:t>
+              <a:t>4/5/24</a:t>
             </a:fld>
             <a:endParaRPr lang="en-US"/>
           </a:p>
@@ -8329,7 +8329,7 @@
           <a:p>
             <a:fld id="{8B9418FF-4771-6547-A594-8A464D87463A}" type="datetime1">
               <a:rPr lang="en-US" smtClean="0"/>
-              <a:t>3/15/24</a:t>
+              <a:t>4/5/24</a:t>
             </a:fld>
             <a:endParaRPr lang="en-US"/>
           </a:p>
@@ -8537,7 +8537,7 @@
           <a:p>
             <a:fld id="{858BE599-75C7-B34E-943D-643FCF23E70F}" type="datetime1">
               <a:rPr lang="en-US" smtClean="0"/>
-              <a:t>3/15/24</a:t>
+              <a:t>4/5/24</a:t>
             </a:fld>
             <a:endParaRPr lang="en-US" dirty="0"/>
           </a:p>
@@ -8814,7 +8814,7 @@
           <a:p>
             <a:fld id="{71FD53E5-AE1B-F84F-B8A8-6681965D781D}" type="datetime1">
               <a:rPr lang="en-US" smtClean="0"/>
-              <a:t>3/15/24</a:t>
+              <a:t>4/5/24</a:t>
             </a:fld>
             <a:endParaRPr lang="en-US"/>
           </a:p>
@@ -9090,7 +9090,7 @@
           <a:p>
             <a:fld id="{53125527-6218-C14B-9A25-EEA9A08E3831}" type="datetime1">
               <a:rPr lang="en-US" smtClean="0"/>
-              <a:t>3/15/24</a:t>
+              <a:t>4/5/24</a:t>
             </a:fld>
             <a:endParaRPr lang="en-US"/>
           </a:p>
@@ -9508,7 +9508,7 @@
           <a:p>
             <a:fld id="{0ACFFC48-7972-6544-8F4D-865EAA14D066}" type="datetime1">
               <a:rPr lang="en-US" smtClean="0"/>
-              <a:t>3/15/24</a:t>
+              <a:t>4/5/24</a:t>
             </a:fld>
             <a:endParaRPr lang="en-US"/>
           </a:p>
@@ -9663,7 +9663,7 @@
           <a:p>
             <a:fld id="{B431B907-A9D4-9141-9ABC-E973C3AB450F}" type="datetime1">
               <a:rPr lang="en-US" smtClean="0"/>
-              <a:t>3/15/24</a:t>
+              <a:t>4/5/24</a:t>
             </a:fld>
             <a:endParaRPr lang="en-US"/>
           </a:p>
@@ -9779,7 +9779,7 @@
           <a:p>
             <a:fld id="{C65D3E84-F438-B044-AFC7-277DF79F4232}" type="datetime1">
               <a:rPr lang="en-US" smtClean="0"/>
-              <a:t>3/15/24</a:t>
+              <a:t>4/5/24</a:t>
             </a:fld>
             <a:endParaRPr lang="en-US"/>
           </a:p>
@@ -10093,7 +10093,7 @@
           <a:p>
             <a:fld id="{1E555376-EF5D-C04F-913F-EE22F3D3B7E4}" type="datetime1">
               <a:rPr lang="en-US" smtClean="0"/>
-              <a:t>3/15/24</a:t>
+              <a:t>4/5/24</a:t>
             </a:fld>
             <a:endParaRPr lang="en-US"/>
           </a:p>
@@ -10387,7 +10387,7 @@
           <a:p>
             <a:fld id="{8ED2341E-CC64-994D-98BD-F3644054835A}" type="datetime1">
               <a:rPr lang="en-US" smtClean="0"/>
-              <a:t>3/15/24</a:t>
+              <a:t>4/5/24</a:t>
             </a:fld>
             <a:endParaRPr lang="en-US"/>
           </a:p>
@@ -10698,7 +10698,7 @@
           <a:p>
             <a:fld id="{E0F61CEF-AB21-694C-A12A-2635F91EF22B}" type="datetime1">
               <a:rPr lang="en-US" smtClean="0"/>
-              <a:t>3/15/24</a:t>
+              <a:t>4/5/24</a:t>
             </a:fld>
             <a:endParaRPr lang="en-US" dirty="0"/>
           </a:p>
@@ -20518,8 +20518,14 @@
             <a:pPr marL="0" indent="0">
               <a:buNone/>
             </a:pPr>
-            <a:r>
-              <a:rPr lang="es-ES" sz="1800" dirty="0"/>
+            <a:endParaRPr lang="es-ES" sz="1800" i="1" dirty="0"/>
+          </a:p>
+          <a:p>
+            <a:pPr marL="0" indent="0">
+              <a:buNone/>
+            </a:pPr>
+            <a:r>
+              <a:rPr lang="es-ES" sz="1800" i="1" dirty="0"/>
               <a:t>Veamos un pequeño ejemplo…</a:t>
             </a:r>
           </a:p>
@@ -39754,17 +39760,31 @@
               <a:buNone/>
             </a:pPr>
             <a:r>
-              <a:rPr lang="es-ES_tradnl" sz="2000" dirty="0"/>
-              <a:t>Veamos el uso de </a:t>
-            </a:r>
-            <a:r>
-              <a:rPr lang="es-ES_tradnl" sz="2000" dirty="0" err="1"/>
+              <a:rPr lang="es-ES_tradnl" sz="2000" i="1" dirty="0"/>
+              <a:t>Realicemos un Hand-</a:t>
+            </a:r>
+            <a:r>
+              <a:rPr lang="es-ES_tradnl" sz="2000" i="1" dirty="0" err="1"/>
+              <a:t>on</a:t>
+            </a:r>
+            <a:r>
+              <a:rPr lang="es-ES_tradnl" sz="2000" i="1"/>
+              <a:t> de </a:t>
+            </a:r>
+            <a:r>
+              <a:rPr lang="es-ES_tradnl" sz="2000" i="1" dirty="0" err="1"/>
               <a:t>MLFlow</a:t>
             </a:r>
             <a:r>
-              <a:rPr lang="es-ES_tradnl" sz="2000" dirty="0"/>
-              <a:t> en el contexto del proyecto final…</a:t>
-            </a:r>
+              <a:rPr lang="es-ES_tradnl" sz="2000" i="1" dirty="0"/>
+              <a:t>…</a:t>
+            </a:r>
+          </a:p>
+          <a:p>
+            <a:pPr marL="0" indent="0">
+              <a:buNone/>
+            </a:pPr>
+            <a:endParaRPr lang="es-ES_tradnl" sz="2000" dirty="0"/>
           </a:p>
           <a:p>
             <a:pPr marL="0" indent="0">

--- a/clase3/teoria/clase3.pptx
+++ b/clase3/teoria/clase3.pptx
@@ -253,7 +253,7 @@
           <a:p>
             <a:fld id="{A166A2AB-E11F-CF45-8817-57EE1ECD187F}" type="datetimeFigureOut">
               <a:rPr lang="es-ES_tradnl" smtClean="0"/>
-              <a:t>5/4/24</a:t>
+              <a:t>12/4/24</a:t>
             </a:fld>
             <a:endParaRPr lang="es-ES_tradnl"/>
           </a:p>
@@ -7888,7 +7888,7 @@
           <a:p>
             <a:fld id="{BD016BBE-372F-8747-90B7-0D97B79DB70D}" type="datetime1">
               <a:rPr lang="en-US" smtClean="0"/>
-              <a:t>4/5/24</a:t>
+              <a:t>4/12/24</a:t>
             </a:fld>
             <a:endParaRPr lang="en-US" dirty="0"/>
           </a:p>
@@ -8118,7 +8118,7 @@
           <a:p>
             <a:fld id="{52088FDC-78CF-244E-B28C-A3D8E0C14A7A}" type="datetime1">
               <a:rPr lang="en-US" smtClean="0"/>
-              <a:t>4/5/24</a:t>
+              <a:t>4/12/24</a:t>
             </a:fld>
             <a:endParaRPr lang="en-US"/>
           </a:p>
@@ -8329,7 +8329,7 @@
           <a:p>
             <a:fld id="{8B9418FF-4771-6547-A594-8A464D87463A}" type="datetime1">
               <a:rPr lang="en-US" smtClean="0"/>
-              <a:t>4/5/24</a:t>
+              <a:t>4/12/24</a:t>
             </a:fld>
             <a:endParaRPr lang="en-US"/>
           </a:p>
@@ -8537,7 +8537,7 @@
           <a:p>
             <a:fld id="{858BE599-75C7-B34E-943D-643FCF23E70F}" type="datetime1">
               <a:rPr lang="en-US" smtClean="0"/>
-              <a:t>4/5/24</a:t>
+              <a:t>4/12/24</a:t>
             </a:fld>
             <a:endParaRPr lang="en-US" dirty="0"/>
           </a:p>
@@ -8814,7 +8814,7 @@
           <a:p>
             <a:fld id="{71FD53E5-AE1B-F84F-B8A8-6681965D781D}" type="datetime1">
               <a:rPr lang="en-US" smtClean="0"/>
-              <a:t>4/5/24</a:t>
+              <a:t>4/12/24</a:t>
             </a:fld>
             <a:endParaRPr lang="en-US"/>
           </a:p>
@@ -9090,7 +9090,7 @@
           <a:p>
             <a:fld id="{53125527-6218-C14B-9A25-EEA9A08E3831}" type="datetime1">
               <a:rPr lang="en-US" smtClean="0"/>
-              <a:t>4/5/24</a:t>
+              <a:t>4/12/24</a:t>
             </a:fld>
             <a:endParaRPr lang="en-US"/>
           </a:p>
@@ -9508,7 +9508,7 @@
           <a:p>
             <a:fld id="{0ACFFC48-7972-6544-8F4D-865EAA14D066}" type="datetime1">
               <a:rPr lang="en-US" smtClean="0"/>
-              <a:t>4/5/24</a:t>
+              <a:t>4/12/24</a:t>
             </a:fld>
             <a:endParaRPr lang="en-US"/>
           </a:p>
@@ -9663,7 +9663,7 @@
           <a:p>
             <a:fld id="{B431B907-A9D4-9141-9ABC-E973C3AB450F}" type="datetime1">
               <a:rPr lang="en-US" smtClean="0"/>
-              <a:t>4/5/24</a:t>
+              <a:t>4/12/24</a:t>
             </a:fld>
             <a:endParaRPr lang="en-US"/>
           </a:p>
@@ -9779,7 +9779,7 @@
           <a:p>
             <a:fld id="{C65D3E84-F438-B044-AFC7-277DF79F4232}" type="datetime1">
               <a:rPr lang="en-US" smtClean="0"/>
-              <a:t>4/5/24</a:t>
+              <a:t>4/12/24</a:t>
             </a:fld>
             <a:endParaRPr lang="en-US"/>
           </a:p>
@@ -10093,7 +10093,7 @@
           <a:p>
             <a:fld id="{1E555376-EF5D-C04F-913F-EE22F3D3B7E4}" type="datetime1">
               <a:rPr lang="en-US" smtClean="0"/>
-              <a:t>4/5/24</a:t>
+              <a:t>4/12/24</a:t>
             </a:fld>
             <a:endParaRPr lang="en-US"/>
           </a:p>
@@ -10387,7 +10387,7 @@
           <a:p>
             <a:fld id="{8ED2341E-CC64-994D-98BD-F3644054835A}" type="datetime1">
               <a:rPr lang="en-US" smtClean="0"/>
-              <a:t>4/5/24</a:t>
+              <a:t>4/12/24</a:t>
             </a:fld>
             <a:endParaRPr lang="en-US"/>
           </a:p>
@@ -10698,7 +10698,7 @@
           <a:p>
             <a:fld id="{E0F61CEF-AB21-694C-A12A-2635F91EF22B}" type="datetime1">
               <a:rPr lang="en-US" smtClean="0"/>
-              <a:t>4/5/24</a:t>
+              <a:t>4/12/24</a:t>
             </a:fld>
             <a:endParaRPr lang="en-US" dirty="0"/>
           </a:p>
@@ -20949,7 +20949,7 @@
             </a:pPr>
             <a:r>
               <a:rPr lang="es-ES_tradnl" sz="2000" dirty="0"/>
-              <a:t>Seis consejos a la hora de seleccionar un modelo:</a:t>
+              <a:t>Ocho consejos a la hora de seleccionar un modelo:</a:t>
             </a:r>
           </a:p>
           <a:p>
@@ -20976,6 +20976,40 @@
                 </a:solidFill>
               </a:rPr>
               <a:t>Comienza con el modelo más simple</a:t>
+            </a:r>
+          </a:p>
+          <a:p>
+            <a:r>
+              <a:rPr lang="es-ES_tradnl" sz="2000" b="1" dirty="0" err="1">
+                <a:solidFill>
+                  <a:schemeClr val="accent2">
+                    <a:lumMod val="60000"/>
+                    <a:lumOff val="40000"/>
+                  </a:schemeClr>
+                </a:solidFill>
+              </a:rPr>
+              <a:t>Explicabilidad</a:t>
+            </a:r>
+            <a:endParaRPr lang="es-ES_tradnl" sz="2000" b="1" dirty="0">
+              <a:solidFill>
+                <a:schemeClr val="accent2">
+                  <a:lumMod val="60000"/>
+                  <a:lumOff val="40000"/>
+                </a:schemeClr>
+              </a:solidFill>
+            </a:endParaRPr>
+          </a:p>
+          <a:p>
+            <a:r>
+              <a:rPr lang="es-ES_tradnl" sz="2000" b="1" dirty="0">
+                <a:solidFill>
+                  <a:schemeClr val="accent2">
+                    <a:lumMod val="60000"/>
+                    <a:lumOff val="40000"/>
+                  </a:schemeClr>
+                </a:solidFill>
+              </a:rPr>
+              <a:t>Velocidades de entrenamiento y predicción</a:t>
             </a:r>
           </a:p>
           <a:p>
@@ -22833,7 +22867,7 @@
           </a:ln>
           <a:extLst>
             <a:ext uri="{C572A759-6A51-4108-AA02-DFA0A04FC94B}">
-              <ma14:wrappingTextBoxFlag xmlns:ma14="http://schemas.microsoft.com/office/mac/drawingml/2011/main" xmlns:a14="http://schemas.microsoft.com/office/drawing/2010/main" xmlns:m="http://schemas.openxmlformats.org/officeDocument/2006/math" xmlns="" val="1"/>
+              <ma14:wrappingTextBoxFlag xmlns="" xmlns:m="http://schemas.openxmlformats.org/officeDocument/2006/math" xmlns:a14="http://schemas.microsoft.com/office/drawing/2010/main" xmlns:ma14="http://schemas.microsoft.com/office/mac/drawingml/2011/main" val="1"/>
             </a:ext>
           </a:extLst>
         </p:spPr>
@@ -25900,7 +25934,7 @@
           </a:ln>
           <a:extLst>
             <a:ext uri="{C572A759-6A51-4108-AA02-DFA0A04FC94B}">
-              <ma14:wrappingTextBoxFlag xmlns="" xmlns:m="http://schemas.openxmlformats.org/officeDocument/2006/math" xmlns:a14="http://schemas.microsoft.com/office/drawing/2010/main" xmlns:ma14="http://schemas.microsoft.com/office/mac/drawingml/2011/main" val="1"/>
+              <ma14:wrappingTextBoxFlag xmlns:ma14="http://schemas.microsoft.com/office/mac/drawingml/2011/main" xmlns:a14="http://schemas.microsoft.com/office/drawing/2010/main" xmlns:m="http://schemas.openxmlformats.org/officeDocument/2006/math" xmlns="" val="1"/>
             </a:ext>
           </a:extLst>
         </p:spPr>
@@ -39761,14 +39795,14 @@
             </a:pPr>
             <a:r>
               <a:rPr lang="es-ES_tradnl" sz="2000" i="1" dirty="0"/>
-              <a:t>Realicemos un Hand-</a:t>
+              <a:t>Realicemos un </a:t>
             </a:r>
             <a:r>
               <a:rPr lang="es-ES_tradnl" sz="2000" i="1" dirty="0" err="1"/>
-              <a:t>on</a:t>
-            </a:r>
-            <a:r>
-              <a:rPr lang="es-ES_tradnl" sz="2000" i="1"/>
+              <a:t>Hands-on</a:t>
+            </a:r>
+            <a:r>
+              <a:rPr lang="es-ES_tradnl" sz="2000" i="1" dirty="0"/>
               <a:t> de </a:t>
             </a:r>
             <a:r>
